--- a/IeTI/_projets/_new_version_2024.pptx
+++ b/IeTI/_projets/_new_version_2024.pptx
@@ -11442,7 +11442,7 @@
         <p:spPr>
           <a:xfrm>
             <a:off x="1280729" y="1948121"/>
-            <a:ext cx="6475278" cy="929190"/>
+            <a:ext cx="8154342" cy="736896"/>
           </a:xfrm>
           <a:prstGeom prst="flowChartOffpageConnector">
             <a:avLst/>
@@ -11481,6 +11481,65 @@
               <a:t>NUCLEO BASICS</a:t>
             </a:r>
           </a:p>
+          <a:p>
+            <a:pPr algn="ctr"/>
+            <a:r>
+              <a:rPr lang="fr-FR" sz="1400" dirty="0">
+                <a:solidFill>
+                  <a:schemeClr val="bg1"/>
+                </a:solidFill>
+              </a:rPr>
+              <a:t>Digital In/Out, </a:t>
+            </a:r>
+            <a:r>
+              <a:rPr lang="fr-FR" sz="1400" dirty="0" err="1">
+                <a:solidFill>
+                  <a:schemeClr val="bg1"/>
+                </a:solidFill>
+              </a:rPr>
+              <a:t>Interrupt</a:t>
+            </a:r>
+            <a:r>
+              <a:rPr lang="fr-FR" sz="1400" dirty="0">
+                <a:solidFill>
+                  <a:schemeClr val="bg1"/>
+                </a:solidFill>
+              </a:rPr>
+              <a:t> In, </a:t>
+            </a:r>
+            <a:r>
+              <a:rPr lang="fr-FR" sz="1400" dirty="0" err="1">
+                <a:solidFill>
+                  <a:schemeClr val="bg1"/>
+                </a:solidFill>
+              </a:rPr>
+              <a:t>Ticker</a:t>
+            </a:r>
+            <a:r>
+              <a:rPr lang="fr-FR" sz="1400" dirty="0">
+                <a:solidFill>
+                  <a:schemeClr val="bg1"/>
+                </a:solidFill>
+              </a:rPr>
+              <a:t>, </a:t>
+            </a:r>
+            <a:r>
+              <a:rPr lang="fr-FR" sz="1400" dirty="0" err="1">
+                <a:solidFill>
+                  <a:schemeClr val="bg1"/>
+                </a:solidFill>
+              </a:rPr>
+              <a:t>Analog</a:t>
+            </a:r>
+            <a:r>
+              <a:rPr lang="fr-FR" sz="1400" dirty="0">
+                <a:solidFill>
+                  <a:schemeClr val="bg1"/>
+                </a:solidFill>
+              </a:rPr>
+              <a:t> In</a:t>
+            </a:r>
+          </a:p>
         </p:txBody>
       </p:sp>
       <p:sp>
@@ -11497,8 +11556,8 @@
         </p:nvSpPr>
         <p:spPr>
           <a:xfrm>
-            <a:off x="1280729" y="4219668"/>
-            <a:ext cx="1438088" cy="937549"/>
+            <a:off x="1280729" y="3717158"/>
+            <a:ext cx="1438088" cy="736896"/>
           </a:xfrm>
           <a:prstGeom prst="flowChartOffpageConnector">
             <a:avLst/>
@@ -11556,8 +11615,8 @@
         </p:nvSpPr>
         <p:spPr>
           <a:xfrm>
-            <a:off x="2959794" y="4219667"/>
-            <a:ext cx="1438086" cy="937549"/>
+            <a:off x="2959794" y="3717159"/>
+            <a:ext cx="1438086" cy="736896"/>
           </a:xfrm>
           <a:prstGeom prst="flowChartOffpageConnector">
             <a:avLst/>
@@ -11615,8 +11674,8 @@
         </p:nvSpPr>
         <p:spPr>
           <a:xfrm>
-            <a:off x="4638857" y="3079715"/>
-            <a:ext cx="1438087" cy="937549"/>
+            <a:off x="4638856" y="2811594"/>
+            <a:ext cx="1438087" cy="736896"/>
           </a:xfrm>
           <a:prstGeom prst="flowChartOffpageConnector">
             <a:avLst/>
@@ -11674,8 +11733,8 @@
         </p:nvSpPr>
         <p:spPr>
           <a:xfrm>
-            <a:off x="6317921" y="3079715"/>
-            <a:ext cx="1438087" cy="937549"/>
+            <a:off x="6317921" y="2811594"/>
+            <a:ext cx="3117150" cy="736896"/>
           </a:xfrm>
           <a:prstGeom prst="flowChartOffpageConnector">
             <a:avLst/>
@@ -11733,8 +11792,8 @@
         </p:nvSpPr>
         <p:spPr>
           <a:xfrm>
-            <a:off x="6317920" y="4219667"/>
-            <a:ext cx="1438087" cy="937549"/>
+            <a:off x="6317921" y="3717158"/>
+            <a:ext cx="1438087" cy="736896"/>
           </a:xfrm>
           <a:prstGeom prst="flowChartOffpageConnector">
             <a:avLst/>
@@ -11792,8 +11851,8 @@
         </p:nvSpPr>
         <p:spPr>
           <a:xfrm>
-            <a:off x="4638858" y="5359619"/>
-            <a:ext cx="3117150" cy="937549"/>
+            <a:off x="4638858" y="4622722"/>
+            <a:ext cx="3117150" cy="736896"/>
           </a:xfrm>
           <a:prstGeom prst="flowChartOffpageConnector">
             <a:avLst/>
@@ -11851,8 +11910,8 @@
         </p:nvSpPr>
         <p:spPr>
           <a:xfrm>
-            <a:off x="1280729" y="3079715"/>
-            <a:ext cx="3117150" cy="937549"/>
+            <a:off x="1280730" y="2811593"/>
+            <a:ext cx="3117150" cy="736896"/>
           </a:xfrm>
           <a:prstGeom prst="flowChartOffpageConnector">
             <a:avLst/>
@@ -11892,6 +11951,124 @@
                 </a:solidFill>
               </a:rPr>
               <a:t>POWER INTERFACES</a:t>
+            </a:r>
+          </a:p>
+        </p:txBody>
+      </p:sp>
+      <p:sp>
+        <p:nvSpPr>
+          <p:cNvPr id="5" name="Organigramme : Connecteur page suivante 4">
+            <a:extLst>
+              <a:ext uri="{FF2B5EF4-FFF2-40B4-BE49-F238E27FC236}">
+                <a16:creationId xmlns:a16="http://schemas.microsoft.com/office/drawing/2014/main" id="{E5BCA3E5-B94F-2D36-99F0-AFE716B1E73D}"/>
+              </a:ext>
+            </a:extLst>
+          </p:cNvPr>
+          <p:cNvSpPr/>
+          <p:nvPr/>
+        </p:nvSpPr>
+        <p:spPr>
+          <a:xfrm>
+            <a:off x="7996984" y="3717159"/>
+            <a:ext cx="1438087" cy="736896"/>
+          </a:xfrm>
+          <a:prstGeom prst="flowChartOffpageConnector">
+            <a:avLst/>
+          </a:prstGeom>
+          <a:solidFill>
+            <a:schemeClr val="tx1">
+              <a:lumMod val="75000"/>
+              <a:lumOff val="25000"/>
+            </a:schemeClr>
+          </a:solidFill>
+        </p:spPr>
+        <p:style>
+          <a:lnRef idx="2">
+            <a:schemeClr val="accent1">
+              <a:shade val="15000"/>
+            </a:schemeClr>
+          </a:lnRef>
+          <a:fillRef idx="1">
+            <a:schemeClr val="accent1"/>
+          </a:fillRef>
+          <a:effectRef idx="0">
+            <a:schemeClr val="accent1"/>
+          </a:effectRef>
+          <a:fontRef idx="minor">
+            <a:schemeClr val="lt1"/>
+          </a:fontRef>
+        </p:style>
+        <p:txBody>
+          <a:bodyPr rtlCol="0" anchor="ctr"/>
+          <a:lstStyle/>
+          <a:p>
+            <a:pPr algn="ctr"/>
+            <a:r>
+              <a:rPr lang="fr-FR" sz="1400" dirty="0">
+                <a:solidFill>
+                  <a:schemeClr val="bg1"/>
+                </a:solidFill>
+              </a:rPr>
+              <a:t>REMOTE</a:t>
+            </a:r>
+          </a:p>
+        </p:txBody>
+      </p:sp>
+      <p:sp>
+        <p:nvSpPr>
+          <p:cNvPr id="6" name="Organigramme : Connecteur page suivante 5">
+            <a:extLst>
+              <a:ext uri="{FF2B5EF4-FFF2-40B4-BE49-F238E27FC236}">
+                <a16:creationId xmlns:a16="http://schemas.microsoft.com/office/drawing/2014/main" id="{4F267ABB-FEC8-7AC9-1454-B8F4857CD1FC}"/>
+              </a:ext>
+            </a:extLst>
+          </p:cNvPr>
+          <p:cNvSpPr/>
+          <p:nvPr/>
+        </p:nvSpPr>
+        <p:spPr>
+          <a:xfrm>
+            <a:off x="-398336" y="3738108"/>
+            <a:ext cx="1438088" cy="736896"/>
+          </a:xfrm>
+          <a:prstGeom prst="flowChartOffpageConnector">
+            <a:avLst/>
+          </a:prstGeom>
+          <a:solidFill>
+            <a:schemeClr val="tx1">
+              <a:lumMod val="75000"/>
+              <a:lumOff val="25000"/>
+            </a:schemeClr>
+          </a:solidFill>
+        </p:spPr>
+        <p:style>
+          <a:lnRef idx="2">
+            <a:schemeClr val="accent1">
+              <a:shade val="15000"/>
+            </a:schemeClr>
+          </a:lnRef>
+          <a:fillRef idx="1">
+            <a:schemeClr val="accent1"/>
+          </a:fillRef>
+          <a:effectRef idx="0">
+            <a:schemeClr val="accent1"/>
+          </a:effectRef>
+          <a:fontRef idx="minor">
+            <a:schemeClr val="lt1"/>
+          </a:fontRef>
+        </p:style>
+        <p:txBody>
+          <a:bodyPr rtlCol="0" anchor="ctr"/>
+          <a:lstStyle/>
+          <a:p>
+            <a:pPr algn="ctr"/>
+            <a:r>
+              <a:rPr lang="fr-FR" sz="1400" dirty="0">
+                <a:solidFill>
+                  <a:schemeClr val="bg1"/>
+                </a:solidFill>
+              </a:rPr>
+              <a:t>DSP</a:t>
             </a:r>
           </a:p>
         </p:txBody>
